--- a/スライドテンプレート_黒.pptx
+++ b/スライドテンプレート_黒.pptx
@@ -4,6 +4,9 @@
   <p:sldMasterIdLst>
     <p:sldMasterId id="2147483660" r:id="rId1"/>
   </p:sldMasterIdLst>
+  <p:notesMasterIdLst>
+    <p:notesMasterId r:id="rId3"/>
+  </p:notesMasterIdLst>
   <p:sldIdLst>
     <p:sldId id="256" r:id="rId2"/>
   </p:sldIdLst>
@@ -112,8 +115,389 @@
 </p:presentation>
 </file>
 
+<file path=ppt/notesMasters/notesMaster1.xml><?xml version="1.0" encoding="utf-8"?>
+<p:notesMaster xmlns:a="http://schemas.openxmlformats.org/drawingml/2006/main" xmlns:r="http://schemas.openxmlformats.org/officeDocument/2006/relationships" xmlns:p="http://schemas.openxmlformats.org/presentationml/2006/main">
+  <p:cSld>
+    <p:bg>
+      <p:bgRef idx="1001">
+        <a:schemeClr val="bg1"/>
+      </p:bgRef>
+    </p:bg>
+    <p:spTree>
+      <p:nvGrpSpPr>
+        <p:cNvPr id="1" name=""/>
+        <p:cNvGrpSpPr/>
+        <p:nvPr/>
+      </p:nvGrpSpPr>
+      <p:grpSpPr>
+        <a:xfrm>
+          <a:off x="0" y="0"/>
+          <a:ext cx="0" cy="0"/>
+          <a:chOff x="0" y="0"/>
+          <a:chExt cx="0" cy="0"/>
+        </a:xfrm>
+      </p:grpSpPr>
+      <p:sp>
+        <p:nvSpPr>
+          <p:cNvPr id="2" name="ヘッダー プレースホルダー 1"/>
+          <p:cNvSpPr>
+            <a:spLocks noGrp="1"/>
+          </p:cNvSpPr>
+          <p:nvPr>
+            <p:ph type="hdr" sz="quarter"/>
+          </p:nvPr>
+        </p:nvSpPr>
+        <p:spPr>
+          <a:xfrm>
+            <a:off x="0" y="0"/>
+            <a:ext cx="2971800" cy="458788"/>
+          </a:xfrm>
+          <a:prstGeom prst="rect">
+            <a:avLst/>
+          </a:prstGeom>
+        </p:spPr>
+        <p:txBody>
+          <a:bodyPr vert="horz" lIns="91440" tIns="45720" rIns="91440" bIns="45720" rtlCol="0"/>
+          <a:lstStyle>
+            <a:lvl1pPr algn="l">
+              <a:defRPr sz="1200"/>
+            </a:lvl1pPr>
+          </a:lstStyle>
+          <a:p>
+            <a:endParaRPr kumimoji="1" lang="ja-JP" altLang="en-US"/>
+          </a:p>
+        </p:txBody>
+      </p:sp>
+      <p:sp>
+        <p:nvSpPr>
+          <p:cNvPr id="3" name="日付プレースホルダー 2"/>
+          <p:cNvSpPr>
+            <a:spLocks noGrp="1"/>
+          </p:cNvSpPr>
+          <p:nvPr>
+            <p:ph type="dt" idx="1"/>
+          </p:nvPr>
+        </p:nvSpPr>
+        <p:spPr>
+          <a:xfrm>
+            <a:off x="3884613" y="0"/>
+            <a:ext cx="2971800" cy="458788"/>
+          </a:xfrm>
+          <a:prstGeom prst="rect">
+            <a:avLst/>
+          </a:prstGeom>
+        </p:spPr>
+        <p:txBody>
+          <a:bodyPr vert="horz" lIns="91440" tIns="45720" rIns="91440" bIns="45720" rtlCol="0"/>
+          <a:lstStyle>
+            <a:lvl1pPr algn="r">
+              <a:defRPr sz="1200"/>
+            </a:lvl1pPr>
+          </a:lstStyle>
+          <a:p>
+            <a:fld id="{BD670E5B-B501-504C-A591-4FC342912779}" type="datetimeFigureOut">
+              <a:rPr kumimoji="1" lang="ja-JP" altLang="en-US" smtClean="0"/>
+              <a:t>2018/1/12</a:t>
+            </a:fld>
+            <a:endParaRPr kumimoji="1" lang="ja-JP" altLang="en-US"/>
+          </a:p>
+        </p:txBody>
+      </p:sp>
+      <p:sp>
+        <p:nvSpPr>
+          <p:cNvPr id="4" name="スライド イメージ プレースホルダー 3"/>
+          <p:cNvSpPr>
+            <a:spLocks noGrp="1" noRot="1" noChangeAspect="1"/>
+          </p:cNvSpPr>
+          <p:nvPr>
+            <p:ph type="sldImg" idx="2"/>
+          </p:nvPr>
+        </p:nvSpPr>
+        <p:spPr>
+          <a:xfrm>
+            <a:off x="1371600" y="1143000"/>
+            <a:ext cx="4114800" cy="3086100"/>
+          </a:xfrm>
+          <a:prstGeom prst="rect">
+            <a:avLst/>
+          </a:prstGeom>
+          <a:noFill/>
+          <a:ln w="12700">
+            <a:solidFill>
+              <a:prstClr val="black"/>
+            </a:solidFill>
+          </a:ln>
+        </p:spPr>
+        <p:txBody>
+          <a:bodyPr vert="horz" lIns="91440" tIns="45720" rIns="91440" bIns="45720" rtlCol="0" anchor="ctr"/>
+          <a:lstStyle/>
+          <a:p>
+            <a:endParaRPr lang="ja-JP" altLang="en-US"/>
+          </a:p>
+        </p:txBody>
+      </p:sp>
+      <p:sp>
+        <p:nvSpPr>
+          <p:cNvPr id="5" name="ノート プレースホルダー 4"/>
+          <p:cNvSpPr>
+            <a:spLocks noGrp="1"/>
+          </p:cNvSpPr>
+          <p:nvPr>
+            <p:ph type="body" sz="quarter" idx="3"/>
+          </p:nvPr>
+        </p:nvSpPr>
+        <p:spPr>
+          <a:xfrm>
+            <a:off x="685800" y="4400550"/>
+            <a:ext cx="5486400" cy="3600450"/>
+          </a:xfrm>
+          <a:prstGeom prst="rect">
+            <a:avLst/>
+          </a:prstGeom>
+        </p:spPr>
+        <p:txBody>
+          <a:bodyPr vert="horz" lIns="91440" tIns="45720" rIns="91440" bIns="45720" rtlCol="0"/>
+          <a:lstStyle/>
+          <a:p>
+            <a:pPr lvl="0"/>
+            <a:r>
+              <a:rPr kumimoji="1" lang="ja-JP" altLang="en-US"/>
+              <a:t>マスター テキストの書式設定</a:t>
+            </a:r>
+          </a:p>
+          <a:p>
+            <a:pPr lvl="1"/>
+            <a:r>
+              <a:rPr kumimoji="1" lang="ja-JP" altLang="en-US"/>
+              <a:t>第 </a:t>
+            </a:r>
+            <a:r>
+              <a:rPr kumimoji="1" lang="en-US" altLang="ja-JP"/>
+              <a:t>2 </a:t>
+            </a:r>
+            <a:r>
+              <a:rPr kumimoji="1" lang="ja-JP" altLang="en-US"/>
+              <a:t>レベル</a:t>
+            </a:r>
+          </a:p>
+          <a:p>
+            <a:pPr lvl="2"/>
+            <a:r>
+              <a:rPr kumimoji="1" lang="ja-JP" altLang="en-US"/>
+              <a:t>第 </a:t>
+            </a:r>
+            <a:r>
+              <a:rPr kumimoji="1" lang="en-US" altLang="ja-JP"/>
+              <a:t>3 </a:t>
+            </a:r>
+            <a:r>
+              <a:rPr kumimoji="1" lang="ja-JP" altLang="en-US"/>
+              <a:t>レベル</a:t>
+            </a:r>
+          </a:p>
+          <a:p>
+            <a:pPr lvl="3"/>
+            <a:r>
+              <a:rPr kumimoji="1" lang="ja-JP" altLang="en-US"/>
+              <a:t>第 </a:t>
+            </a:r>
+            <a:r>
+              <a:rPr kumimoji="1" lang="en-US" altLang="ja-JP"/>
+              <a:t>4 </a:t>
+            </a:r>
+            <a:r>
+              <a:rPr kumimoji="1" lang="ja-JP" altLang="en-US"/>
+              <a:t>レベル</a:t>
+            </a:r>
+          </a:p>
+          <a:p>
+            <a:pPr lvl="4"/>
+            <a:r>
+              <a:rPr kumimoji="1" lang="ja-JP" altLang="en-US"/>
+              <a:t>第 </a:t>
+            </a:r>
+            <a:r>
+              <a:rPr kumimoji="1" lang="en-US" altLang="ja-JP"/>
+              <a:t>5 </a:t>
+            </a:r>
+            <a:r>
+              <a:rPr kumimoji="1" lang="ja-JP" altLang="en-US"/>
+              <a:t>レベル</a:t>
+            </a:r>
+          </a:p>
+        </p:txBody>
+      </p:sp>
+      <p:sp>
+        <p:nvSpPr>
+          <p:cNvPr id="6" name="フッター プレースホルダー 5"/>
+          <p:cNvSpPr>
+            <a:spLocks noGrp="1"/>
+          </p:cNvSpPr>
+          <p:nvPr>
+            <p:ph type="ftr" sz="quarter" idx="4"/>
+          </p:nvPr>
+        </p:nvSpPr>
+        <p:spPr>
+          <a:xfrm>
+            <a:off x="0" y="8685213"/>
+            <a:ext cx="2971800" cy="458787"/>
+          </a:xfrm>
+          <a:prstGeom prst="rect">
+            <a:avLst/>
+          </a:prstGeom>
+        </p:spPr>
+        <p:txBody>
+          <a:bodyPr vert="horz" lIns="91440" tIns="45720" rIns="91440" bIns="45720" rtlCol="0" anchor="b"/>
+          <a:lstStyle>
+            <a:lvl1pPr algn="l">
+              <a:defRPr sz="1200"/>
+            </a:lvl1pPr>
+          </a:lstStyle>
+          <a:p>
+            <a:endParaRPr kumimoji="1" lang="ja-JP" altLang="en-US"/>
+          </a:p>
+        </p:txBody>
+      </p:sp>
+      <p:sp>
+        <p:nvSpPr>
+          <p:cNvPr id="7" name="スライド番号プレースホルダー 6"/>
+          <p:cNvSpPr>
+            <a:spLocks noGrp="1"/>
+          </p:cNvSpPr>
+          <p:nvPr>
+            <p:ph type="sldNum" sz="quarter" idx="5"/>
+          </p:nvPr>
+        </p:nvSpPr>
+        <p:spPr>
+          <a:xfrm>
+            <a:off x="3884613" y="8685213"/>
+            <a:ext cx="2971800" cy="458787"/>
+          </a:xfrm>
+          <a:prstGeom prst="rect">
+            <a:avLst/>
+          </a:prstGeom>
+        </p:spPr>
+        <p:txBody>
+          <a:bodyPr vert="horz" lIns="91440" tIns="45720" rIns="91440" bIns="45720" rtlCol="0" anchor="b"/>
+          <a:lstStyle>
+            <a:lvl1pPr algn="r">
+              <a:defRPr sz="1200"/>
+            </a:lvl1pPr>
+          </a:lstStyle>
+          <a:p>
+            <a:fld id="{4DCD706E-40C7-1241-9A61-2509D8BDCB9E}" type="slidenum">
+              <a:rPr kumimoji="1" lang="ja-JP" altLang="en-US" smtClean="0"/>
+              <a:t>‹#›</a:t>
+            </a:fld>
+            <a:endParaRPr kumimoji="1" lang="ja-JP" altLang="en-US"/>
+          </a:p>
+        </p:txBody>
+      </p:sp>
+    </p:spTree>
+    <p:extLst>
+      <p:ext uri="{BB962C8B-B14F-4D97-AF65-F5344CB8AC3E}">
+        <p14:creationId xmlns:p14="http://schemas.microsoft.com/office/powerpoint/2010/main" val="3924910427"/>
+      </p:ext>
+    </p:extLst>
+  </p:cSld>
+  <p:clrMap bg1="lt1" tx1="dk1" bg2="lt2" tx2="dk2" accent1="accent1" accent2="accent2" accent3="accent3" accent4="accent4" accent5="accent5" accent6="accent6" hlink="hlink" folHlink="folHlink"/>
+  <p:notesStyle>
+    <a:lvl1pPr marL="0" algn="l" defTabSz="914400" rtl="0" eaLnBrk="1" latinLnBrk="0" hangingPunct="1">
+      <a:defRPr kumimoji="1" sz="1200" kern="1200">
+        <a:solidFill>
+          <a:schemeClr val="tx1"/>
+        </a:solidFill>
+        <a:latin typeface="+mn-lt"/>
+        <a:ea typeface="+mn-ea"/>
+        <a:cs typeface="+mn-cs"/>
+      </a:defRPr>
+    </a:lvl1pPr>
+    <a:lvl2pPr marL="457200" algn="l" defTabSz="914400" rtl="0" eaLnBrk="1" latinLnBrk="0" hangingPunct="1">
+      <a:defRPr kumimoji="1" sz="1200" kern="1200">
+        <a:solidFill>
+          <a:schemeClr val="tx1"/>
+        </a:solidFill>
+        <a:latin typeface="+mn-lt"/>
+        <a:ea typeface="+mn-ea"/>
+        <a:cs typeface="+mn-cs"/>
+      </a:defRPr>
+    </a:lvl2pPr>
+    <a:lvl3pPr marL="914400" algn="l" defTabSz="914400" rtl="0" eaLnBrk="1" latinLnBrk="0" hangingPunct="1">
+      <a:defRPr kumimoji="1" sz="1200" kern="1200">
+        <a:solidFill>
+          <a:schemeClr val="tx1"/>
+        </a:solidFill>
+        <a:latin typeface="+mn-lt"/>
+        <a:ea typeface="+mn-ea"/>
+        <a:cs typeface="+mn-cs"/>
+      </a:defRPr>
+    </a:lvl3pPr>
+    <a:lvl4pPr marL="1371600" algn="l" defTabSz="914400" rtl="0" eaLnBrk="1" latinLnBrk="0" hangingPunct="1">
+      <a:defRPr kumimoji="1" sz="1200" kern="1200">
+        <a:solidFill>
+          <a:schemeClr val="tx1"/>
+        </a:solidFill>
+        <a:latin typeface="+mn-lt"/>
+        <a:ea typeface="+mn-ea"/>
+        <a:cs typeface="+mn-cs"/>
+      </a:defRPr>
+    </a:lvl4pPr>
+    <a:lvl5pPr marL="1828800" algn="l" defTabSz="914400" rtl="0" eaLnBrk="1" latinLnBrk="0" hangingPunct="1">
+      <a:defRPr kumimoji="1" sz="1200" kern="1200">
+        <a:solidFill>
+          <a:schemeClr val="tx1"/>
+        </a:solidFill>
+        <a:latin typeface="+mn-lt"/>
+        <a:ea typeface="+mn-ea"/>
+        <a:cs typeface="+mn-cs"/>
+      </a:defRPr>
+    </a:lvl5pPr>
+    <a:lvl6pPr marL="2286000" algn="l" defTabSz="914400" rtl="0" eaLnBrk="1" latinLnBrk="0" hangingPunct="1">
+      <a:defRPr kumimoji="1" sz="1200" kern="1200">
+        <a:solidFill>
+          <a:schemeClr val="tx1"/>
+        </a:solidFill>
+        <a:latin typeface="+mn-lt"/>
+        <a:ea typeface="+mn-ea"/>
+        <a:cs typeface="+mn-cs"/>
+      </a:defRPr>
+    </a:lvl6pPr>
+    <a:lvl7pPr marL="2743200" algn="l" defTabSz="914400" rtl="0" eaLnBrk="1" latinLnBrk="0" hangingPunct="1">
+      <a:defRPr kumimoji="1" sz="1200" kern="1200">
+        <a:solidFill>
+          <a:schemeClr val="tx1"/>
+        </a:solidFill>
+        <a:latin typeface="+mn-lt"/>
+        <a:ea typeface="+mn-ea"/>
+        <a:cs typeface="+mn-cs"/>
+      </a:defRPr>
+    </a:lvl7pPr>
+    <a:lvl8pPr marL="3200400" algn="l" defTabSz="914400" rtl="0" eaLnBrk="1" latinLnBrk="0" hangingPunct="1">
+      <a:defRPr kumimoji="1" sz="1200" kern="1200">
+        <a:solidFill>
+          <a:schemeClr val="tx1"/>
+        </a:solidFill>
+        <a:latin typeface="+mn-lt"/>
+        <a:ea typeface="+mn-ea"/>
+        <a:cs typeface="+mn-cs"/>
+      </a:defRPr>
+    </a:lvl8pPr>
+    <a:lvl9pPr marL="3657600" algn="l" defTabSz="914400" rtl="0" eaLnBrk="1" latinLnBrk="0" hangingPunct="1">
+      <a:defRPr kumimoji="1" sz="1200" kern="1200">
+        <a:solidFill>
+          <a:schemeClr val="tx1"/>
+        </a:solidFill>
+        <a:latin typeface="+mn-lt"/>
+        <a:ea typeface="+mn-ea"/>
+        <a:cs typeface="+mn-cs"/>
+      </a:defRPr>
+    </a:lvl9pPr>
+  </p:notesStyle>
+</p:notesMaster>
+</file>
+
 <file path=ppt/slideLayouts/slideLayout1.xml><?xml version="1.0" encoding="utf-8"?>
-<p:sldLayout xmlns:a="http://schemas.openxmlformats.org/drawingml/2006/main" xmlns:r="http://schemas.openxmlformats.org/officeDocument/2006/relationships" xmlns:p="http://schemas.openxmlformats.org/presentationml/2006/main" type="title" preserve="1">
+<p:sldLayout xmlns:a="http://schemas.openxmlformats.org/drawingml/2006/main" xmlns:r="http://schemas.openxmlformats.org/officeDocument/2006/relationships" xmlns:p="http://schemas.openxmlformats.org/presentationml/2006/main" preserve="1" userDrawn="1">
   <p:cSld name="タイトル スライド">
     <p:spTree>
       <p:nvGrpSpPr>
@@ -141,8 +525,8 @@
         </p:nvSpPr>
         <p:spPr>
           <a:xfrm>
-            <a:off x="430171" y="820788"/>
-            <a:ext cx="8283655" cy="2034613"/>
+            <a:off x="430171" y="1393900"/>
+            <a:ext cx="8283655" cy="1606464"/>
           </a:xfrm>
         </p:spPr>
         <p:txBody>
@@ -158,78 +542,6 @@
               <a:t>日本語タイトル</a:t>
             </a:r>
             <a:endParaRPr lang="en-US" dirty="0"/>
-          </a:p>
-        </p:txBody>
-      </p:sp>
-      <p:sp>
-        <p:nvSpPr>
-          <p:cNvPr id="3" name="Subtitle 2"/>
-          <p:cNvSpPr>
-            <a:spLocks noGrp="1"/>
-          </p:cNvSpPr>
-          <p:nvPr>
-            <p:ph type="subTitle" idx="1" hasCustomPrompt="1"/>
-          </p:nvPr>
-        </p:nvSpPr>
-        <p:spPr>
-          <a:xfrm>
-            <a:off x="1143000" y="4758814"/>
-            <a:ext cx="6858000" cy="1524000"/>
-          </a:xfrm>
-        </p:spPr>
-        <p:txBody>
-          <a:bodyPr/>
-          <a:lstStyle>
-            <a:lvl1pPr marL="0" indent="0" algn="ctr">
-              <a:buNone/>
-              <a:defRPr sz="2400"/>
-            </a:lvl1pPr>
-            <a:lvl2pPr marL="457200" indent="0" algn="ctr">
-              <a:buNone/>
-              <a:defRPr sz="2000"/>
-            </a:lvl2pPr>
-            <a:lvl3pPr marL="914400" indent="0" algn="ctr">
-              <a:buNone/>
-              <a:defRPr sz="1800"/>
-            </a:lvl3pPr>
-            <a:lvl4pPr marL="1371600" indent="0" algn="ctr">
-              <a:buNone/>
-              <a:defRPr sz="1600"/>
-            </a:lvl4pPr>
-            <a:lvl5pPr marL="1828800" indent="0" algn="ctr">
-              <a:buNone/>
-              <a:defRPr sz="1600"/>
-            </a:lvl5pPr>
-            <a:lvl6pPr marL="2286000" indent="0" algn="ctr">
-              <a:buNone/>
-              <a:defRPr sz="1600"/>
-            </a:lvl6pPr>
-            <a:lvl7pPr marL="2743200" indent="0" algn="ctr">
-              <a:buNone/>
-              <a:defRPr sz="1600"/>
-            </a:lvl7pPr>
-            <a:lvl8pPr marL="3200400" indent="0" algn="ctr">
-              <a:buNone/>
-              <a:defRPr sz="1600"/>
-            </a:lvl8pPr>
-            <a:lvl9pPr marL="3657600" indent="0" algn="ctr">
-              <a:buNone/>
-              <a:defRPr sz="1600"/>
-            </a:lvl9pPr>
-          </a:lstStyle>
-          <a:p>
-            <a:r>
-              <a:rPr lang="ja-JP" altLang="en-US" dirty="0"/>
-              <a:t>所属</a:t>
-            </a:r>
-            <a:endParaRPr lang="en-US" altLang="ja-JP" dirty="0"/>
-          </a:p>
-          <a:p>
-            <a:r>
-              <a:rPr lang="ja-JP" altLang="en-US" dirty="0"/>
-              <a:t>学籍番号，名前</a:t>
-            </a:r>
-            <a:endParaRPr lang="en-US" altLang="ja-JP" dirty="0"/>
           </a:p>
         </p:txBody>
       </p:sp>
@@ -245,8 +557,8 @@
         </p:nvSpPr>
         <p:spPr>
           <a:xfrm>
-            <a:off x="6972300" y="102251"/>
-            <a:ext cx="2057400" cy="365125"/>
+            <a:off x="7069872" y="102251"/>
+            <a:ext cx="1959827" cy="369677"/>
           </a:xfrm>
           <a:prstGeom prst="rect">
             <a:avLst/>
@@ -254,13 +566,21 @@
         </p:spPr>
         <p:txBody>
           <a:bodyPr/>
-          <a:lstStyle/>
-          <a:p>
-            <a:fld id="{AEF9742A-DC38-2F46-8B6A-6397F69207F7}" type="datetimeFigureOut">
-              <a:rPr kumimoji="1" lang="ja-JP" altLang="en-US" smtClean="0"/>
-              <a:t>2018/1/12</a:t>
+          <a:lstStyle>
+            <a:lvl1pPr algn="r">
+              <a:defRPr sz="1600" b="0" i="0">
+                <a:latin typeface="Hiragino Kaku Gothic Pro W3" panose="020B0300000000000000" pitchFamily="34" charset="-128"/>
+                <a:ea typeface="Hiragino Kaku Gothic Pro W3" panose="020B0300000000000000" pitchFamily="34" charset="-128"/>
+              </a:defRPr>
+            </a:lvl1pPr>
+          </a:lstStyle>
+          <a:p>
+            <a:fld id="{0C67E52D-ACBA-C547-A0E5-66A8993C66CB}" type="datetime3">
+              <a:rPr lang="ja-JP" altLang="en-US" smtClean="0"/>
+              <a:pPr/>
+              <a:t>平成30年1月12日</a:t>
             </a:fld>
-            <a:endParaRPr kumimoji="1" lang="ja-JP" altLang="en-US"/>
+            <a:endParaRPr lang="ja-JP" altLang="en-US" dirty="0"/>
           </a:p>
         </p:txBody>
       </p:sp>
@@ -648,7 +968,7 @@
         </p:nvCxnSpPr>
         <p:spPr>
           <a:xfrm>
-            <a:off x="668594" y="2855401"/>
+            <a:off x="668594" y="3000364"/>
             <a:ext cx="7777316" cy="0"/>
           </a:xfrm>
           <a:prstGeom prst="line">
@@ -677,6 +997,230 @@
           </a:fontRef>
         </p:style>
       </p:cxnSp>
+      <p:sp>
+        <p:nvSpPr>
+          <p:cNvPr id="18" name="テキスト ボックス 17">
+            <a:extLst>
+              <a:ext uri="{FF2B5EF4-FFF2-40B4-BE49-F238E27FC236}">
+                <a16:creationId xmlns:a16="http://schemas.microsoft.com/office/drawing/2014/main" id="{56A8E29C-AFA9-6C4E-B8DF-96E9623FFB16}"/>
+              </a:ext>
+            </a:extLst>
+          </p:cNvPr>
+          <p:cNvSpPr txBox="1"/>
+          <p:nvPr userDrawn="1"/>
+        </p:nvSpPr>
+        <p:spPr>
+          <a:xfrm>
+            <a:off x="2219093" y="494050"/>
+            <a:ext cx="6810606" cy="338554"/>
+          </a:xfrm>
+          <a:prstGeom prst="rect">
+            <a:avLst/>
+          </a:prstGeom>
+          <a:noFill/>
+        </p:spPr>
+        <p:txBody>
+          <a:bodyPr wrap="square" rtlCol="0">
+            <a:spAutoFit/>
+          </a:bodyPr>
+          <a:lstStyle/>
+          <a:p>
+            <a:pPr algn="r"/>
+            <a:r>
+              <a:rPr kumimoji="1" lang="ja-JP" altLang="en-US" sz="1600" b="0" i="0" dirty="0">
+                <a:latin typeface="Hiragino Kaku Gothic Pro W3" panose="020B0300000000000000" pitchFamily="34" charset="-128"/>
+                <a:ea typeface="Hiragino Kaku Gothic Pro W3" panose="020B0300000000000000" pitchFamily="34" charset="-128"/>
+                <a:cs typeface="Hiragino Sans W3" charset="-128"/>
+              </a:rPr>
+              <a:t>岩手県立大学ソフトウェア情報学部　平成</a:t>
+            </a:r>
+            <a:r>
+              <a:rPr kumimoji="1" lang="en-US" altLang="ja-JP" sz="1600" b="0" i="0" dirty="0">
+                <a:latin typeface="Hiragino Kaku Gothic Pro W3" panose="020B0300000000000000" pitchFamily="34" charset="-128"/>
+                <a:ea typeface="Hiragino Kaku Gothic Pro W3" panose="020B0300000000000000" pitchFamily="34" charset="-128"/>
+                <a:cs typeface="Abadi MT Condensed Light" charset="0"/>
+              </a:rPr>
+              <a:t>29</a:t>
+            </a:r>
+            <a:r>
+              <a:rPr kumimoji="1" lang="ja-JP" altLang="en-US" sz="1600" b="0" i="0" dirty="0">
+                <a:latin typeface="Hiragino Kaku Gothic Pro W3" panose="020B0300000000000000" pitchFamily="34" charset="-128"/>
+                <a:ea typeface="Hiragino Kaku Gothic Pro W3" panose="020B0300000000000000" pitchFamily="34" charset="-128"/>
+                <a:cs typeface="Hiragino Sans W3" charset="-128"/>
+              </a:rPr>
+              <a:t>年度　卒業研究成果発表会</a:t>
+            </a:r>
+          </a:p>
+        </p:txBody>
+      </p:sp>
+      <p:sp>
+        <p:nvSpPr>
+          <p:cNvPr id="19" name="テキスト ボックス 18">
+            <a:extLst>
+              <a:ext uri="{FF2B5EF4-FFF2-40B4-BE49-F238E27FC236}">
+                <a16:creationId xmlns:a16="http://schemas.microsoft.com/office/drawing/2014/main" id="{B385DCA2-C61F-CB44-A543-A5105ABD5B51}"/>
+              </a:ext>
+            </a:extLst>
+          </p:cNvPr>
+          <p:cNvSpPr txBox="1"/>
+          <p:nvPr userDrawn="1"/>
+        </p:nvSpPr>
+        <p:spPr>
+          <a:xfrm>
+            <a:off x="6531387" y="798639"/>
+            <a:ext cx="2498312" cy="338554"/>
+          </a:xfrm>
+          <a:prstGeom prst="rect">
+            <a:avLst/>
+          </a:prstGeom>
+          <a:noFill/>
+        </p:spPr>
+        <p:txBody>
+          <a:bodyPr wrap="square" rtlCol="0">
+            <a:spAutoFit/>
+          </a:bodyPr>
+          <a:lstStyle/>
+          <a:p>
+            <a:pPr algn="r"/>
+            <a:r>
+              <a:rPr kumimoji="1" lang="ja-JP" altLang="en-US" sz="1600" b="0" i="0" dirty="0">
+                <a:latin typeface="Hiragino Kaku Gothic Pro W3" panose="020B0300000000000000" pitchFamily="34" charset="-128"/>
+                <a:ea typeface="Hiragino Kaku Gothic Pro W3" panose="020B0300000000000000" pitchFamily="34" charset="-128"/>
+                <a:cs typeface="Hiragino Sans W3" charset="-128"/>
+              </a:rPr>
+              <a:t>会場記号　分野</a:t>
+            </a:r>
+            <a:endParaRPr kumimoji="1" lang="ja-JP" altLang="en-US" sz="1600" b="0" i="0" dirty="0">
+              <a:latin typeface="Hiragino Kaku Gothic Pro W3" panose="020B0300000000000000" pitchFamily="34" charset="-128"/>
+              <a:ea typeface="Hiragino Kaku Gothic Pro W3" panose="020B0300000000000000" pitchFamily="34" charset="-128"/>
+              <a:cs typeface="Abadi MT Condensed Light" charset="0"/>
+            </a:endParaRPr>
+          </a:p>
+        </p:txBody>
+      </p:sp>
+      <p:sp>
+        <p:nvSpPr>
+          <p:cNvPr id="33" name="Subtitle 2">
+            <a:extLst>
+              <a:ext uri="{FF2B5EF4-FFF2-40B4-BE49-F238E27FC236}">
+                <a16:creationId xmlns:a16="http://schemas.microsoft.com/office/drawing/2014/main" id="{A77B4469-552F-A846-AB84-D52FA672514B}"/>
+              </a:ext>
+            </a:extLst>
+          </p:cNvPr>
+          <p:cNvSpPr>
+            <a:spLocks noGrp="1"/>
+          </p:cNvSpPr>
+          <p:nvPr>
+            <p:ph type="subTitle" idx="1" hasCustomPrompt="1"/>
+          </p:nvPr>
+        </p:nvSpPr>
+        <p:spPr>
+          <a:xfrm>
+            <a:off x="1143000" y="4758814"/>
+            <a:ext cx="6858000" cy="1524000"/>
+          </a:xfrm>
+        </p:spPr>
+        <p:txBody>
+          <a:bodyPr/>
+          <a:lstStyle>
+            <a:lvl1pPr marL="0" marR="0" indent="0" algn="ctr" defTabSz="914400" rtl="0" eaLnBrk="1" fontAlgn="auto" latinLnBrk="0" hangingPunct="1">
+              <a:lnSpc>
+                <a:spcPct val="90000"/>
+              </a:lnSpc>
+              <a:spcBef>
+                <a:spcPts val="1000"/>
+              </a:spcBef>
+              <a:spcAft>
+                <a:spcPts val="0"/>
+              </a:spcAft>
+              <a:buClrTx/>
+              <a:buSzTx/>
+              <a:buFont typeface="Arial" panose="020B0604020202020204" pitchFamily="34" charset="0"/>
+              <a:buNone/>
+              <a:tabLst/>
+              <a:defRPr sz="2400"/>
+            </a:lvl1pPr>
+            <a:lvl2pPr marL="457200" indent="0" algn="ctr">
+              <a:buNone/>
+              <a:defRPr sz="2000"/>
+            </a:lvl2pPr>
+            <a:lvl3pPr marL="914400" indent="0" algn="ctr">
+              <a:buNone/>
+              <a:defRPr sz="1800"/>
+            </a:lvl3pPr>
+            <a:lvl4pPr marL="1371600" indent="0" algn="ctr">
+              <a:buNone/>
+              <a:defRPr sz="1600"/>
+            </a:lvl4pPr>
+            <a:lvl5pPr marL="1828800" indent="0" algn="ctr">
+              <a:buNone/>
+              <a:defRPr sz="1600"/>
+            </a:lvl5pPr>
+            <a:lvl6pPr marL="2286000" indent="0" algn="ctr">
+              <a:buNone/>
+              <a:defRPr sz="1600"/>
+            </a:lvl6pPr>
+            <a:lvl7pPr marL="2743200" indent="0" algn="ctr">
+              <a:buNone/>
+              <a:defRPr sz="1600"/>
+            </a:lvl7pPr>
+            <a:lvl8pPr marL="3200400" indent="0" algn="ctr">
+              <a:buNone/>
+              <a:defRPr sz="1600"/>
+            </a:lvl8pPr>
+            <a:lvl9pPr marL="3657600" indent="0" algn="ctr">
+              <a:buNone/>
+              <a:defRPr sz="1600"/>
+            </a:lvl9pPr>
+          </a:lstStyle>
+          <a:p>
+            <a:r>
+              <a:rPr lang="ja-JP" altLang="en-US" sz="2400" dirty="0"/>
+              <a:t>ヒューマンインタフェース学講座</a:t>
+            </a:r>
+            <a:endParaRPr lang="en-US" altLang="ja-JP" sz="2400" dirty="0"/>
+          </a:p>
+          <a:p>
+            <a:r>
+              <a:rPr lang="ja-JP" altLang="en-US" dirty="0"/>
+              <a:t>学籍番号，名前</a:t>
+            </a:r>
+            <a:endParaRPr lang="en-US" altLang="ja-JP" dirty="0"/>
+          </a:p>
+          <a:p>
+            <a:pPr marL="0" marR="0" lvl="0" indent="0" algn="ctr" defTabSz="914400" rtl="0" eaLnBrk="1" fontAlgn="auto" latinLnBrk="0" hangingPunct="1">
+              <a:lnSpc>
+                <a:spcPct val="90000"/>
+              </a:lnSpc>
+              <a:spcBef>
+                <a:spcPts val="1000"/>
+              </a:spcBef>
+              <a:spcAft>
+                <a:spcPts val="0"/>
+              </a:spcAft>
+              <a:buClrTx/>
+              <a:buSzTx/>
+              <a:buFont typeface="Arial" panose="020B0604020202020204" pitchFamily="34" charset="0"/>
+              <a:buNone/>
+              <a:tabLst/>
+              <a:defRPr/>
+            </a:pPr>
+            <a:r>
+              <a:rPr lang="ja-JP" altLang="en-US" sz="2400" dirty="0"/>
+              <a:t>卒業論文要旨集　</a:t>
+            </a:r>
+            <a:r>
+              <a:rPr lang="en-US" altLang="ja-JP" sz="2400" dirty="0"/>
+              <a:t>p</a:t>
+            </a:r>
+            <a:r>
+              <a:rPr lang="ja-JP" altLang="en-US" sz="2400" dirty="0"/>
+              <a:t>ページ数</a:t>
+            </a:r>
+            <a:endParaRPr lang="en-US" altLang="ja-JP" sz="2400" dirty="0"/>
+          </a:p>
+        </p:txBody>
+      </p:sp>
     </p:spTree>
     <p:extLst>
       <p:ext uri="{BB962C8B-B14F-4D97-AF65-F5344CB8AC3E}">
@@ -6052,6 +6596,7 @@
     <p:sldLayoutId id="2147483670" r:id="rId10"/>
     <p:sldLayoutId id="2147483671" r:id="rId11"/>
   </p:sldLayoutIdLst>
+  <p:hf sldNum="0" hdr="0" ftr="0"/>
   <p:txStyles>
     <p:titleStyle>
       <a:lvl1pPr algn="l" defTabSz="914400" rtl="0" eaLnBrk="1" latinLnBrk="0" hangingPunct="1">
@@ -6379,10 +6924,10 @@
       </p:sp>
       <p:sp>
         <p:nvSpPr>
-          <p:cNvPr id="3" name="サブタイトル 2">
+          <p:cNvPr id="4" name="日付プレースホルダー 3">
             <a:extLst>
               <a:ext uri="{FF2B5EF4-FFF2-40B4-BE49-F238E27FC236}">
-                <a16:creationId xmlns:a16="http://schemas.microsoft.com/office/drawing/2014/main" id="{49DA35AB-6B33-3F47-AE4D-20D56FAB18BD}"/>
+                <a16:creationId xmlns:a16="http://schemas.microsoft.com/office/drawing/2014/main" id="{E49A97EB-7746-A74D-BECD-1CA512B22F8A}"/>
               </a:ext>
             </a:extLst>
           </p:cNvPr>
@@ -6390,15 +6935,150 @@
             <a:spLocks noGrp="1"/>
           </p:cNvSpPr>
           <p:nvPr>
-            <p:ph type="subTitle" idx="1"/>
+            <p:ph type="dt" sz="half" idx="10"/>
           </p:nvPr>
         </p:nvSpPr>
-        <p:spPr/>
+        <p:spPr>
+          <a:xfrm>
+            <a:off x="7069872" y="102251"/>
+            <a:ext cx="1959827" cy="369677"/>
+          </a:xfrm>
+          <a:prstGeom prst="rect">
+            <a:avLst/>
+          </a:prstGeom>
+        </p:spPr>
         <p:txBody>
           <a:bodyPr/>
           <a:lstStyle/>
           <a:p>
-            <a:endParaRPr kumimoji="1" lang="ja-JP" altLang="en-US"/>
+            <a:fld id="{32E7C993-4706-194F-A251-111C8C57CB30}" type="datetime3">
+              <a:rPr kumimoji="1" lang="ja-JP" altLang="en-US" smtClean="0"/>
+              <a:t>平成30年1月12日</a:t>
+            </a:fld>
+            <a:endParaRPr kumimoji="1" lang="ja-JP" altLang="en-US" dirty="0"/>
+          </a:p>
+        </p:txBody>
+      </p:sp>
+      <p:sp>
+        <p:nvSpPr>
+          <p:cNvPr id="5" name="Subtitle 2">
+            <a:extLst>
+              <a:ext uri="{FF2B5EF4-FFF2-40B4-BE49-F238E27FC236}">
+                <a16:creationId xmlns:a16="http://schemas.microsoft.com/office/drawing/2014/main" id="{E81D8F87-3279-174A-B4DC-F1635EE6065A}"/>
+              </a:ext>
+            </a:extLst>
+          </p:cNvPr>
+          <p:cNvSpPr>
+            <a:spLocks noGrp="1"/>
+          </p:cNvSpPr>
+          <p:nvPr>
+            <p:ph type="subTitle" idx="1" hasCustomPrompt="1"/>
+          </p:nvPr>
+        </p:nvSpPr>
+        <p:spPr>
+          <a:xfrm>
+            <a:off x="1143000" y="4758814"/>
+            <a:ext cx="6858000" cy="1524000"/>
+          </a:xfrm>
+        </p:spPr>
+        <p:txBody>
+          <a:bodyPr/>
+          <a:lstStyle>
+            <a:lvl1pPr marL="0" marR="0" indent="0" algn="ctr" defTabSz="914400" rtl="0" eaLnBrk="1" fontAlgn="auto" latinLnBrk="0" hangingPunct="1">
+              <a:lnSpc>
+                <a:spcPct val="90000"/>
+              </a:lnSpc>
+              <a:spcBef>
+                <a:spcPts val="1000"/>
+              </a:spcBef>
+              <a:spcAft>
+                <a:spcPts val="0"/>
+              </a:spcAft>
+              <a:buClrTx/>
+              <a:buSzTx/>
+              <a:buFont typeface="Arial" panose="020B0604020202020204" pitchFamily="34" charset="0"/>
+              <a:buNone/>
+              <a:tabLst/>
+              <a:defRPr sz="2400"/>
+            </a:lvl1pPr>
+            <a:lvl2pPr marL="457200" indent="0" algn="ctr">
+              <a:buNone/>
+              <a:defRPr sz="2000"/>
+            </a:lvl2pPr>
+            <a:lvl3pPr marL="914400" indent="0" algn="ctr">
+              <a:buNone/>
+              <a:defRPr sz="1800"/>
+            </a:lvl3pPr>
+            <a:lvl4pPr marL="1371600" indent="0" algn="ctr">
+              <a:buNone/>
+              <a:defRPr sz="1600"/>
+            </a:lvl4pPr>
+            <a:lvl5pPr marL="1828800" indent="0" algn="ctr">
+              <a:buNone/>
+              <a:defRPr sz="1600"/>
+            </a:lvl5pPr>
+            <a:lvl6pPr marL="2286000" indent="0" algn="ctr">
+              <a:buNone/>
+              <a:defRPr sz="1600"/>
+            </a:lvl6pPr>
+            <a:lvl7pPr marL="2743200" indent="0" algn="ctr">
+              <a:buNone/>
+              <a:defRPr sz="1600"/>
+            </a:lvl7pPr>
+            <a:lvl8pPr marL="3200400" indent="0" algn="ctr">
+              <a:buNone/>
+              <a:defRPr sz="1600"/>
+            </a:lvl8pPr>
+            <a:lvl9pPr marL="3657600" indent="0" algn="ctr">
+              <a:buNone/>
+              <a:defRPr sz="1600"/>
+            </a:lvl9pPr>
+          </a:lstStyle>
+          <a:p>
+            <a:r>
+              <a:rPr lang="ja-JP" altLang="en-US" sz="2400" dirty="0"/>
+              <a:t>ヒューマンインタフェース学講座</a:t>
+            </a:r>
+            <a:endParaRPr lang="en-US" altLang="ja-JP" sz="2400" dirty="0"/>
+          </a:p>
+          <a:p>
+            <a:r>
+              <a:rPr lang="ja-JP" altLang="en-US" dirty="0"/>
+              <a:t>学籍番号，名前</a:t>
+            </a:r>
+            <a:endParaRPr lang="en-US" altLang="ja-JP" dirty="0"/>
+          </a:p>
+          <a:p>
+            <a:pPr marL="0" marR="0" lvl="0" indent="0" algn="ctr" defTabSz="914400" rtl="0" eaLnBrk="1" fontAlgn="auto" latinLnBrk="0" hangingPunct="1">
+              <a:lnSpc>
+                <a:spcPct val="90000"/>
+              </a:lnSpc>
+              <a:spcBef>
+                <a:spcPts val="1000"/>
+              </a:spcBef>
+              <a:spcAft>
+                <a:spcPts val="0"/>
+              </a:spcAft>
+              <a:buClrTx/>
+              <a:buSzTx/>
+              <a:buFont typeface="Arial" panose="020B0604020202020204" pitchFamily="34" charset="0"/>
+              <a:buNone/>
+              <a:tabLst/>
+              <a:defRPr/>
+            </a:pPr>
+            <a:r>
+              <a:rPr lang="ja-JP" altLang="en-US" sz="2400" dirty="0"/>
+              <a:t>卒業論文要旨集　</a:t>
+            </a:r>
+            <a:r>
+              <a:rPr lang="en-US" altLang="ja-JP" sz="2400" dirty="0"/>
+              <a:t>p</a:t>
+            </a:r>
+            <a:r>
+              <a:rPr lang="ja-JP" altLang="en-US" sz="2400" dirty="0"/>
+              <a:t>ページ数</a:t>
+            </a:r>
+            <a:endParaRPr lang="en-US" altLang="ja-JP" sz="2400" dirty="0"/>
           </a:p>
         </p:txBody>
       </p:sp>
@@ -6674,4 +7354,299 @@
     </a:ext>
   </a:extLst>
 </a:theme>
+</file>
+
+<file path=ppt/theme/theme2.xml><?xml version="1.0" encoding="utf-8"?>
+<a:theme xmlns:a="http://schemas.openxmlformats.org/drawingml/2006/main" name="Office テーマ">
+  <a:themeElements>
+    <a:clrScheme name="Office">
+      <a:dk1>
+        <a:sysClr val="windowText" lastClr="000000"/>
+      </a:dk1>
+      <a:lt1>
+        <a:sysClr val="window" lastClr="FFFFFF"/>
+      </a:lt1>
+      <a:dk2>
+        <a:srgbClr val="44546A"/>
+      </a:dk2>
+      <a:lt2>
+        <a:srgbClr val="E7E6E6"/>
+      </a:lt2>
+      <a:accent1>
+        <a:srgbClr val="4472C4"/>
+      </a:accent1>
+      <a:accent2>
+        <a:srgbClr val="ED7D31"/>
+      </a:accent2>
+      <a:accent3>
+        <a:srgbClr val="A5A5A5"/>
+      </a:accent3>
+      <a:accent4>
+        <a:srgbClr val="FFC000"/>
+      </a:accent4>
+      <a:accent5>
+        <a:srgbClr val="5B9BD5"/>
+      </a:accent5>
+      <a:accent6>
+        <a:srgbClr val="70AD47"/>
+      </a:accent6>
+      <a:hlink>
+        <a:srgbClr val="0563C1"/>
+      </a:hlink>
+      <a:folHlink>
+        <a:srgbClr val="954F72"/>
+      </a:folHlink>
+    </a:clrScheme>
+    <a:fontScheme name="Office">
+      <a:majorFont>
+        <a:latin typeface="游ゴシック Light" panose="020F0302020204030204"/>
+        <a:ea typeface=""/>
+        <a:cs typeface=""/>
+        <a:font script="Jpan" typeface="游ゴシック Light"/>
+        <a:font script="Hang" typeface="맑은 고딕"/>
+        <a:font script="Hans" typeface="等线 Light"/>
+        <a:font script="Hant" typeface="新細明體"/>
+        <a:font script="Arab" typeface="Times New Roman"/>
+        <a:font script="Hebr" typeface="Times New Roman"/>
+        <a:font script="Thai" typeface="Angsana New"/>
+        <a:font script="Ethi" typeface="Nyala"/>
+        <a:font script="Beng" typeface="Vrinda"/>
+        <a:font script="Gujr" typeface="Shruti"/>
+        <a:font script="Khmr" typeface="MoolBoran"/>
+        <a:font script="Knda" typeface="Tunga"/>
+        <a:font script="Guru" typeface="Raavi"/>
+        <a:font script="Cans" typeface="Euphemia"/>
+        <a:font script="Cher" typeface="Plantagenet Cherokee"/>
+        <a:font script="Yiii" typeface="Microsoft Yi Baiti"/>
+        <a:font script="Tibt" typeface="Microsoft Himalaya"/>
+        <a:font script="Thaa" typeface="MV Boli"/>
+        <a:font script="Deva" typeface="Mangal"/>
+        <a:font script="Telu" typeface="Gautami"/>
+        <a:font script="Taml" typeface="Latha"/>
+        <a:font script="Syrc" typeface="Estrangelo Edessa"/>
+        <a:font script="Orya" typeface="Kalinga"/>
+        <a:font script="Mlym" typeface="Kartika"/>
+        <a:font script="Laoo" typeface="DokChampa"/>
+        <a:font script="Sinh" typeface="Iskoola Pota"/>
+        <a:font script="Mong" typeface="Mongolian Baiti"/>
+        <a:font script="Viet" typeface="Times New Roman"/>
+        <a:font script="Uigh" typeface="Microsoft Uighur"/>
+        <a:font script="Geor" typeface="Sylfaen"/>
+        <a:font script="Armn" typeface="Arial"/>
+        <a:font script="Bugi" typeface="Leelawadee UI"/>
+        <a:font script="Bopo" typeface="Microsoft JhengHei"/>
+        <a:font script="Java" typeface="Javanese Text"/>
+        <a:font script="Lisu" typeface="Segoe UI"/>
+        <a:font script="Mymr" typeface="Myanmar Text"/>
+        <a:font script="Nkoo" typeface="Ebrima"/>
+        <a:font script="Olck" typeface="Nirmala UI"/>
+        <a:font script="Osma" typeface="Ebrima"/>
+        <a:font script="Phag" typeface="Phagspa"/>
+        <a:font script="Syrn" typeface="Estrangelo Edessa"/>
+        <a:font script="Syrj" typeface="Estrangelo Edessa"/>
+        <a:font script="Syre" typeface="Estrangelo Edessa"/>
+        <a:font script="Sora" typeface="Nirmala UI"/>
+        <a:font script="Tale" typeface="Microsoft Tai Le"/>
+        <a:font script="Talu" typeface="Microsoft New Tai Lue"/>
+        <a:font script="Tfng" typeface="Ebrima"/>
+      </a:majorFont>
+      <a:minorFont>
+        <a:latin typeface="游ゴシック" panose="020F0502020204030204"/>
+        <a:ea typeface=""/>
+        <a:cs typeface=""/>
+        <a:font script="Jpan" typeface="游ゴシック"/>
+        <a:font script="Hang" typeface="맑은 고딕"/>
+        <a:font script="Hans" typeface="等线"/>
+        <a:font script="Hant" typeface="新細明體"/>
+        <a:font script="Arab" typeface="Arial"/>
+        <a:font script="Hebr" typeface="Arial"/>
+        <a:font script="Thai" typeface="Cordia New"/>
+        <a:font script="Ethi" typeface="Nyala"/>
+        <a:font script="Beng" typeface="Vrinda"/>
+        <a:font script="Gujr" typeface="Shruti"/>
+        <a:font script="Khmr" typeface="DaunPenh"/>
+        <a:font script="Knda" typeface="Tunga"/>
+        <a:font script="Guru" typeface="Raavi"/>
+        <a:font script="Cans" typeface="Euphemia"/>
+        <a:font script="Cher" typeface="Plantagenet Cherokee"/>
+        <a:font script="Yiii" typeface="Microsoft Yi Baiti"/>
+        <a:font script="Tibt" typeface="Microsoft Himalaya"/>
+        <a:font script="Thaa" typeface="MV Boli"/>
+        <a:font script="Deva" typeface="Mangal"/>
+        <a:font script="Telu" typeface="Gautami"/>
+        <a:font script="Taml" typeface="Latha"/>
+        <a:font script="Syrc" typeface="Estrangelo Edessa"/>
+        <a:font script="Orya" typeface="Kalinga"/>
+        <a:font script="Mlym" typeface="Kartika"/>
+        <a:font script="Laoo" typeface="DokChampa"/>
+        <a:font script="Sinh" typeface="Iskoola Pota"/>
+        <a:font script="Mong" typeface="Mongolian Baiti"/>
+        <a:font script="Viet" typeface="Arial"/>
+        <a:font script="Uigh" typeface="Microsoft Uighur"/>
+        <a:font script="Geor" typeface="Sylfaen"/>
+        <a:font script="Armn" typeface="Arial"/>
+        <a:font script="Bugi" typeface="Leelawadee UI"/>
+        <a:font script="Bopo" typeface="Microsoft JhengHei"/>
+        <a:font script="Java" typeface="Javanese Text"/>
+        <a:font script="Lisu" typeface="Segoe UI"/>
+        <a:font script="Mymr" typeface="Myanmar Text"/>
+        <a:font script="Nkoo" typeface="Ebrima"/>
+        <a:font script="Olck" typeface="Nirmala UI"/>
+        <a:font script="Osma" typeface="Ebrima"/>
+        <a:font script="Phag" typeface="Phagspa"/>
+        <a:font script="Syrn" typeface="Estrangelo Edessa"/>
+        <a:font script="Syrj" typeface="Estrangelo Edessa"/>
+        <a:font script="Syre" typeface="Estrangelo Edessa"/>
+        <a:font script="Sora" typeface="Nirmala UI"/>
+        <a:font script="Tale" typeface="Microsoft Tai Le"/>
+        <a:font script="Talu" typeface="Microsoft New Tai Lue"/>
+        <a:font script="Tfng" typeface="Ebrima"/>
+      </a:minorFont>
+    </a:fontScheme>
+    <a:fmtScheme name="Office">
+      <a:fillStyleLst>
+        <a:solidFill>
+          <a:schemeClr val="phClr"/>
+        </a:solidFill>
+        <a:gradFill rotWithShape="1">
+          <a:gsLst>
+            <a:gs pos="0">
+              <a:schemeClr val="phClr">
+                <a:lumMod val="110000"/>
+                <a:satMod val="105000"/>
+                <a:tint val="67000"/>
+              </a:schemeClr>
+            </a:gs>
+            <a:gs pos="50000">
+              <a:schemeClr val="phClr">
+                <a:lumMod val="105000"/>
+                <a:satMod val="103000"/>
+                <a:tint val="73000"/>
+              </a:schemeClr>
+            </a:gs>
+            <a:gs pos="100000">
+              <a:schemeClr val="phClr">
+                <a:lumMod val="105000"/>
+                <a:satMod val="109000"/>
+                <a:tint val="81000"/>
+              </a:schemeClr>
+            </a:gs>
+          </a:gsLst>
+          <a:lin ang="5400000" scaled="0"/>
+        </a:gradFill>
+        <a:gradFill rotWithShape="1">
+          <a:gsLst>
+            <a:gs pos="0">
+              <a:schemeClr val="phClr">
+                <a:satMod val="103000"/>
+                <a:lumMod val="102000"/>
+                <a:tint val="94000"/>
+              </a:schemeClr>
+            </a:gs>
+            <a:gs pos="50000">
+              <a:schemeClr val="phClr">
+                <a:satMod val="110000"/>
+                <a:lumMod val="100000"/>
+                <a:shade val="100000"/>
+              </a:schemeClr>
+            </a:gs>
+            <a:gs pos="100000">
+              <a:schemeClr val="phClr">
+                <a:lumMod val="99000"/>
+                <a:satMod val="120000"/>
+                <a:shade val="78000"/>
+              </a:schemeClr>
+            </a:gs>
+          </a:gsLst>
+          <a:lin ang="5400000" scaled="0"/>
+        </a:gradFill>
+      </a:fillStyleLst>
+      <a:lnStyleLst>
+        <a:ln w="6350" cap="flat" cmpd="sng" algn="ctr">
+          <a:solidFill>
+            <a:schemeClr val="phClr"/>
+          </a:solidFill>
+          <a:prstDash val="solid"/>
+          <a:miter lim="800000"/>
+        </a:ln>
+        <a:ln w="12700" cap="flat" cmpd="sng" algn="ctr">
+          <a:solidFill>
+            <a:schemeClr val="phClr"/>
+          </a:solidFill>
+          <a:prstDash val="solid"/>
+          <a:miter lim="800000"/>
+        </a:ln>
+        <a:ln w="19050" cap="flat" cmpd="sng" algn="ctr">
+          <a:solidFill>
+            <a:schemeClr val="phClr"/>
+          </a:solidFill>
+          <a:prstDash val="solid"/>
+          <a:miter lim="800000"/>
+        </a:ln>
+      </a:lnStyleLst>
+      <a:effectStyleLst>
+        <a:effectStyle>
+          <a:effectLst/>
+        </a:effectStyle>
+        <a:effectStyle>
+          <a:effectLst/>
+        </a:effectStyle>
+        <a:effectStyle>
+          <a:effectLst>
+            <a:outerShdw blurRad="57150" dist="19050" dir="5400000" algn="ctr" rotWithShape="0">
+              <a:srgbClr val="000000">
+                <a:alpha val="63000"/>
+              </a:srgbClr>
+            </a:outerShdw>
+          </a:effectLst>
+        </a:effectStyle>
+      </a:effectStyleLst>
+      <a:bgFillStyleLst>
+        <a:solidFill>
+          <a:schemeClr val="phClr"/>
+        </a:solidFill>
+        <a:solidFill>
+          <a:schemeClr val="phClr">
+            <a:tint val="95000"/>
+            <a:satMod val="170000"/>
+          </a:schemeClr>
+        </a:solidFill>
+        <a:gradFill rotWithShape="1">
+          <a:gsLst>
+            <a:gs pos="0">
+              <a:schemeClr val="phClr">
+                <a:tint val="93000"/>
+                <a:satMod val="150000"/>
+                <a:shade val="98000"/>
+                <a:lumMod val="102000"/>
+              </a:schemeClr>
+            </a:gs>
+            <a:gs pos="50000">
+              <a:schemeClr val="phClr">
+                <a:tint val="98000"/>
+                <a:satMod val="130000"/>
+                <a:shade val="90000"/>
+                <a:lumMod val="103000"/>
+              </a:schemeClr>
+            </a:gs>
+            <a:gs pos="100000">
+              <a:schemeClr val="phClr">
+                <a:shade val="63000"/>
+                <a:satMod val="120000"/>
+              </a:schemeClr>
+            </a:gs>
+          </a:gsLst>
+          <a:lin ang="5400000" scaled="0"/>
+        </a:gradFill>
+      </a:bgFillStyleLst>
+    </a:fmtScheme>
+  </a:themeElements>
+  <a:objectDefaults/>
+  <a:extraClrSchemeLst/>
+  <a:extLst>
+    <a:ext uri="{05A4C25C-085E-4340-85A3-A5531E510DB2}">
+      <thm15:themeFamily xmlns:thm15="http://schemas.microsoft.com/office/thememl/2012/main" name="Office Theme" id="{62F939B6-93AF-4DB8-9C6B-D6C7DFDC589F}" vid="{4A3C46E8-61CC-4603-A589-7422A47A8E4A}"/>
+    </a:ext>
+  </a:extLst>
+</a:theme>
 </file>
--- a/スライドテンプレート_黒.pptx
+++ b/スライドテンプレート_黒.pptx
@@ -513,38 +513,6 @@
           <a:chExt cx="0" cy="0"/>
         </a:xfrm>
       </p:grpSpPr>
-      <p:sp>
-        <p:nvSpPr>
-          <p:cNvPr id="2" name="Title 1"/>
-          <p:cNvSpPr>
-            <a:spLocks noGrp="1"/>
-          </p:cNvSpPr>
-          <p:nvPr>
-            <p:ph type="ctrTitle" hasCustomPrompt="1"/>
-          </p:nvPr>
-        </p:nvSpPr>
-        <p:spPr>
-          <a:xfrm>
-            <a:off x="430171" y="1393900"/>
-            <a:ext cx="8283655" cy="1606464"/>
-          </a:xfrm>
-        </p:spPr>
-        <p:txBody>
-          <a:bodyPr anchor="b"/>
-          <a:lstStyle>
-            <a:lvl1pPr algn="ctr">
-              <a:defRPr sz="6000"/>
-            </a:lvl1pPr>
-          </a:lstStyle>
-          <a:p>
-            <a:r>
-              <a:rPr lang="ja-JP" altLang="en-US" dirty="0"/>
-              <a:t>日本語タイトル</a:t>
-            </a:r>
-            <a:endParaRPr lang="en-US" dirty="0"/>
-          </a:p>
-        </p:txBody>
-      </p:sp>
       <p:sp>
         <p:nvSpPr>
           <p:cNvPr id="4" name="Date Placeholder 3"/>
@@ -890,70 +858,6 @@
           </a:p>
         </p:txBody>
       </p:sp>
-      <p:sp>
-        <p:nvSpPr>
-          <p:cNvPr id="30" name="Title 1">
-            <a:extLst>
-              <a:ext uri="{FF2B5EF4-FFF2-40B4-BE49-F238E27FC236}">
-                <a16:creationId xmlns:a16="http://schemas.microsoft.com/office/drawing/2014/main" id="{2B69873B-86C4-3C4F-AE6E-1BE11A79EFF7}"/>
-              </a:ext>
-            </a:extLst>
-          </p:cNvPr>
-          <p:cNvSpPr txBox="1">
-            <a:spLocks/>
-          </p:cNvSpPr>
-          <p:nvPr userDrawn="1"/>
-        </p:nvSpPr>
-        <p:spPr>
-          <a:xfrm>
-            <a:off x="685800" y="2975324"/>
-            <a:ext cx="7772400" cy="1290519"/>
-          </a:xfrm>
-          <a:prstGeom prst="rect">
-            <a:avLst/>
-          </a:prstGeom>
-        </p:spPr>
-        <p:txBody>
-          <a:bodyPr vert="horz" lIns="91440" tIns="45720" rIns="91440" bIns="45720" rtlCol="0" anchor="b">
-            <a:normAutofit/>
-          </a:bodyPr>
-          <a:lstStyle>
-            <a:lvl1pPr algn="ctr" defTabSz="914400" rtl="0" eaLnBrk="1" latinLnBrk="0" hangingPunct="1">
-              <a:lnSpc>
-                <a:spcPct val="90000"/>
-              </a:lnSpc>
-              <a:spcBef>
-                <a:spcPct val="0"/>
-              </a:spcBef>
-              <a:buNone/>
-              <a:defRPr kumimoji="1" sz="6000" b="1" i="0" kern="1200">
-                <a:solidFill>
-                  <a:schemeClr val="tx1"/>
-                </a:solidFill>
-                <a:latin typeface="Hiragino Kaku Gothic Pro W6" panose="020B0300000000000000" pitchFamily="34" charset="-128"/>
-                <a:ea typeface="Hiragino Kaku Gothic Pro W6" panose="020B0300000000000000" pitchFamily="34" charset="-128"/>
-                <a:cs typeface="+mj-cs"/>
-              </a:defRPr>
-            </a:lvl1pPr>
-          </a:lstStyle>
-          <a:p>
-            <a:r>
-              <a:rPr lang="en-US" sz="3600" b="1" i="0" dirty="0" err="1">
-                <a:latin typeface="Times New Roman" panose="02020603050405020304" pitchFamily="18" charset="0"/>
-                <a:cs typeface="Times New Roman" panose="02020603050405020304" pitchFamily="18" charset="0"/>
-              </a:rPr>
-              <a:t>Eigo</a:t>
-            </a:r>
-            <a:r>
-              <a:rPr lang="en-US" sz="3600" b="1" i="0" dirty="0">
-                <a:latin typeface="Times New Roman" panose="02020603050405020304" pitchFamily="18" charset="0"/>
-                <a:cs typeface="Times New Roman" panose="02020603050405020304" pitchFamily="18" charset="0"/>
-              </a:rPr>
-              <a:t> title</a:t>
-            </a:r>
-          </a:p>
-        </p:txBody>
-      </p:sp>
       <p:cxnSp>
         <p:nvCxnSpPr>
           <p:cNvPr id="32" name="直線コネクタ 31">
@@ -999,107 +903,6 @@
       </p:cxnSp>
       <p:sp>
         <p:nvSpPr>
-          <p:cNvPr id="18" name="テキスト ボックス 17">
-            <a:extLst>
-              <a:ext uri="{FF2B5EF4-FFF2-40B4-BE49-F238E27FC236}">
-                <a16:creationId xmlns:a16="http://schemas.microsoft.com/office/drawing/2014/main" id="{56A8E29C-AFA9-6C4E-B8DF-96E9623FFB16}"/>
-              </a:ext>
-            </a:extLst>
-          </p:cNvPr>
-          <p:cNvSpPr txBox="1"/>
-          <p:nvPr userDrawn="1"/>
-        </p:nvSpPr>
-        <p:spPr>
-          <a:xfrm>
-            <a:off x="2219093" y="494050"/>
-            <a:ext cx="6810606" cy="338554"/>
-          </a:xfrm>
-          <a:prstGeom prst="rect">
-            <a:avLst/>
-          </a:prstGeom>
-          <a:noFill/>
-        </p:spPr>
-        <p:txBody>
-          <a:bodyPr wrap="square" rtlCol="0">
-            <a:spAutoFit/>
-          </a:bodyPr>
-          <a:lstStyle/>
-          <a:p>
-            <a:pPr algn="r"/>
-            <a:r>
-              <a:rPr kumimoji="1" lang="ja-JP" altLang="en-US" sz="1600" b="0" i="0" dirty="0">
-                <a:latin typeface="Hiragino Kaku Gothic Pro W3" panose="020B0300000000000000" pitchFamily="34" charset="-128"/>
-                <a:ea typeface="Hiragino Kaku Gothic Pro W3" panose="020B0300000000000000" pitchFamily="34" charset="-128"/>
-                <a:cs typeface="Hiragino Sans W3" charset="-128"/>
-              </a:rPr>
-              <a:t>岩手県立大学ソフトウェア情報学部　平成</a:t>
-            </a:r>
-            <a:r>
-              <a:rPr kumimoji="1" lang="en-US" altLang="ja-JP" sz="1600" b="0" i="0" dirty="0">
-                <a:latin typeface="Hiragino Kaku Gothic Pro W3" panose="020B0300000000000000" pitchFamily="34" charset="-128"/>
-                <a:ea typeface="Hiragino Kaku Gothic Pro W3" panose="020B0300000000000000" pitchFamily="34" charset="-128"/>
-                <a:cs typeface="Abadi MT Condensed Light" charset="0"/>
-              </a:rPr>
-              <a:t>29</a:t>
-            </a:r>
-            <a:r>
-              <a:rPr kumimoji="1" lang="ja-JP" altLang="en-US" sz="1600" b="0" i="0" dirty="0">
-                <a:latin typeface="Hiragino Kaku Gothic Pro W3" panose="020B0300000000000000" pitchFamily="34" charset="-128"/>
-                <a:ea typeface="Hiragino Kaku Gothic Pro W3" panose="020B0300000000000000" pitchFamily="34" charset="-128"/>
-                <a:cs typeface="Hiragino Sans W3" charset="-128"/>
-              </a:rPr>
-              <a:t>年度　卒業研究成果発表会</a:t>
-            </a:r>
-          </a:p>
-        </p:txBody>
-      </p:sp>
-      <p:sp>
-        <p:nvSpPr>
-          <p:cNvPr id="19" name="テキスト ボックス 18">
-            <a:extLst>
-              <a:ext uri="{FF2B5EF4-FFF2-40B4-BE49-F238E27FC236}">
-                <a16:creationId xmlns:a16="http://schemas.microsoft.com/office/drawing/2014/main" id="{B385DCA2-C61F-CB44-A543-A5105ABD5B51}"/>
-              </a:ext>
-            </a:extLst>
-          </p:cNvPr>
-          <p:cNvSpPr txBox="1"/>
-          <p:nvPr userDrawn="1"/>
-        </p:nvSpPr>
-        <p:spPr>
-          <a:xfrm>
-            <a:off x="6531387" y="798639"/>
-            <a:ext cx="2498312" cy="338554"/>
-          </a:xfrm>
-          <a:prstGeom prst="rect">
-            <a:avLst/>
-          </a:prstGeom>
-          <a:noFill/>
-        </p:spPr>
-        <p:txBody>
-          <a:bodyPr wrap="square" rtlCol="0">
-            <a:spAutoFit/>
-          </a:bodyPr>
-          <a:lstStyle/>
-          <a:p>
-            <a:pPr algn="r"/>
-            <a:r>
-              <a:rPr kumimoji="1" lang="ja-JP" altLang="en-US" sz="1600" b="0" i="0" dirty="0">
-                <a:latin typeface="Hiragino Kaku Gothic Pro W3" panose="020B0300000000000000" pitchFamily="34" charset="-128"/>
-                <a:ea typeface="Hiragino Kaku Gothic Pro W3" panose="020B0300000000000000" pitchFamily="34" charset="-128"/>
-                <a:cs typeface="Hiragino Sans W3" charset="-128"/>
-              </a:rPr>
-              <a:t>会場記号　分野</a:t>
-            </a:r>
-            <a:endParaRPr kumimoji="1" lang="ja-JP" altLang="en-US" sz="1600" b="0" i="0" dirty="0">
-              <a:latin typeface="Hiragino Kaku Gothic Pro W3" panose="020B0300000000000000" pitchFamily="34" charset="-128"/>
-              <a:ea typeface="Hiragino Kaku Gothic Pro W3" panose="020B0300000000000000" pitchFamily="34" charset="-128"/>
-              <a:cs typeface="Abadi MT Condensed Light" charset="0"/>
-            </a:endParaRPr>
-          </a:p>
-        </p:txBody>
-      </p:sp>
-      <p:sp>
-        <p:nvSpPr>
           <p:cNvPr id="33" name="Subtitle 2">
             <a:extLst>
               <a:ext uri="{FF2B5EF4-FFF2-40B4-BE49-F238E27FC236}">
@@ -1218,6 +1021,237 @@
               <a:t>ページ数</a:t>
             </a:r>
             <a:endParaRPr lang="en-US" altLang="ja-JP" sz="2400" dirty="0"/>
+          </a:p>
+        </p:txBody>
+      </p:sp>
+      <p:sp>
+        <p:nvSpPr>
+          <p:cNvPr id="27" name="Title 1">
+            <a:extLst>
+              <a:ext uri="{FF2B5EF4-FFF2-40B4-BE49-F238E27FC236}">
+                <a16:creationId xmlns:a16="http://schemas.microsoft.com/office/drawing/2014/main" id="{F41645AC-A59F-9C47-9245-E48650645057}"/>
+              </a:ext>
+            </a:extLst>
+          </p:cNvPr>
+          <p:cNvSpPr>
+            <a:spLocks noGrp="1"/>
+          </p:cNvSpPr>
+          <p:nvPr>
+            <p:ph type="ctrTitle" hasCustomPrompt="1"/>
+          </p:nvPr>
+        </p:nvSpPr>
+        <p:spPr>
+          <a:xfrm>
+            <a:off x="430171" y="1393900"/>
+            <a:ext cx="8283655" cy="1606464"/>
+          </a:xfrm>
+        </p:spPr>
+        <p:txBody>
+          <a:bodyPr anchor="b">
+            <a:normAutofit/>
+          </a:bodyPr>
+          <a:lstStyle>
+            <a:lvl1pPr algn="ctr">
+              <a:defRPr sz="4000" b="1"/>
+            </a:lvl1pPr>
+          </a:lstStyle>
+          <a:p>
+            <a:r>
+              <a:rPr lang="ja-JP" altLang="en-US" dirty="0"/>
+              <a:t>日本語タイトル</a:t>
+            </a:r>
+            <a:endParaRPr lang="en-US" dirty="0"/>
+          </a:p>
+        </p:txBody>
+      </p:sp>
+      <p:sp>
+        <p:nvSpPr>
+          <p:cNvPr id="14" name="テキスト プレースホルダー 13">
+            <a:extLst>
+              <a:ext uri="{FF2B5EF4-FFF2-40B4-BE49-F238E27FC236}">
+                <a16:creationId xmlns:a16="http://schemas.microsoft.com/office/drawing/2014/main" id="{A24D7299-3323-E346-800D-44F74EB9FBBE}"/>
+              </a:ext>
+            </a:extLst>
+          </p:cNvPr>
+          <p:cNvSpPr>
+            <a:spLocks noGrp="1"/>
+          </p:cNvSpPr>
+          <p:nvPr>
+            <p:ph type="body" sz="quarter" idx="13" hasCustomPrompt="1"/>
+          </p:nvPr>
+        </p:nvSpPr>
+        <p:spPr>
+          <a:xfrm>
+            <a:off x="417513" y="3000375"/>
+            <a:ext cx="8296275" cy="1473479"/>
+          </a:xfrm>
+        </p:spPr>
+        <p:txBody>
+          <a:bodyPr/>
+          <a:lstStyle>
+            <a:lvl1pPr marL="0" indent="0" algn="ctr">
+              <a:buNone/>
+              <a:defRPr>
+                <a:latin typeface="Times New Roman" panose="02020603050405020304" pitchFamily="18" charset="0"/>
+                <a:cs typeface="Times New Roman" panose="02020603050405020304" pitchFamily="18" charset="0"/>
+              </a:defRPr>
+            </a:lvl1pPr>
+          </a:lstStyle>
+          <a:p>
+            <a:pPr lvl="0"/>
+            <a:r>
+              <a:rPr kumimoji="1" lang="en-US" altLang="ja-JP" dirty="0" err="1"/>
+              <a:t>Eigo</a:t>
+            </a:r>
+            <a:r>
+              <a:rPr kumimoji="1" lang="en-US" altLang="ja-JP" dirty="0"/>
+              <a:t> title</a:t>
+            </a:r>
+            <a:endParaRPr kumimoji="1" lang="ja-JP" altLang="en-US" dirty="0"/>
+          </a:p>
+        </p:txBody>
+      </p:sp>
+      <p:sp>
+        <p:nvSpPr>
+          <p:cNvPr id="37" name="テキスト プレースホルダー 3">
+            <a:extLst>
+              <a:ext uri="{FF2B5EF4-FFF2-40B4-BE49-F238E27FC236}">
+                <a16:creationId xmlns:a16="http://schemas.microsoft.com/office/drawing/2014/main" id="{9E392958-D1D6-AF48-AFDD-F97332D097E1}"/>
+              </a:ext>
+            </a:extLst>
+          </p:cNvPr>
+          <p:cNvSpPr>
+            <a:spLocks noGrp="1"/>
+          </p:cNvSpPr>
+          <p:nvPr>
+            <p:ph type="body" sz="quarter" idx="14" hasCustomPrompt="1"/>
+          </p:nvPr>
+        </p:nvSpPr>
+        <p:spPr>
+          <a:xfrm>
+            <a:off x="2261419" y="482845"/>
+            <a:ext cx="6768280" cy="327025"/>
+          </a:xfrm>
+        </p:spPr>
+        <p:txBody>
+          <a:bodyPr>
+            <a:noAutofit/>
+          </a:bodyPr>
+          <a:lstStyle>
+            <a:lvl1pPr marL="0" marR="0" indent="0" algn="l" defTabSz="914400" rtl="0" eaLnBrk="1" fontAlgn="auto" latinLnBrk="0" hangingPunct="1">
+              <a:lnSpc>
+                <a:spcPct val="90000"/>
+              </a:lnSpc>
+              <a:spcBef>
+                <a:spcPts val="1000"/>
+              </a:spcBef>
+              <a:spcAft>
+                <a:spcPts val="0"/>
+              </a:spcAft>
+              <a:buClrTx/>
+              <a:buSzTx/>
+              <a:buFont typeface="Arial" panose="020B0604020202020204" pitchFamily="34" charset="0"/>
+              <a:buNone/>
+              <a:tabLst/>
+              <a:defRPr sz="1600"/>
+            </a:lvl1pPr>
+          </a:lstStyle>
+          <a:p>
+            <a:pPr marL="0" marR="0" lvl="0" indent="0" algn="l" defTabSz="914400" rtl="0" eaLnBrk="1" fontAlgn="auto" latinLnBrk="0" hangingPunct="1">
+              <a:lnSpc>
+                <a:spcPct val="90000"/>
+              </a:lnSpc>
+              <a:spcBef>
+                <a:spcPts val="1000"/>
+              </a:spcBef>
+              <a:spcAft>
+                <a:spcPts val="0"/>
+              </a:spcAft>
+              <a:buClrTx/>
+              <a:buSzTx/>
+              <a:buFont typeface="Arial" panose="020B0604020202020204" pitchFamily="34" charset="0"/>
+              <a:buNone/>
+              <a:tabLst/>
+              <a:defRPr/>
+            </a:pPr>
+            <a:r>
+              <a:rPr kumimoji="1" lang="ja-JP" altLang="en-US" sz="1600" b="0" i="0" dirty="0">
+                <a:latin typeface="Hiragino Kaku Gothic Pro W3" panose="020B0300000000000000" pitchFamily="34" charset="-128"/>
+                <a:ea typeface="Hiragino Kaku Gothic Pro W3" panose="020B0300000000000000" pitchFamily="34" charset="-128"/>
+                <a:cs typeface="Hiragino Sans W3" charset="-128"/>
+              </a:rPr>
+              <a:t>岩手県立大学ソフトウェア情報学部　平成</a:t>
+            </a:r>
+            <a:r>
+              <a:rPr kumimoji="1" lang="en-US" altLang="ja-JP" sz="1600" b="0" i="0" dirty="0">
+                <a:latin typeface="Hiragino Kaku Gothic Pro W3" panose="020B0300000000000000" pitchFamily="34" charset="-128"/>
+                <a:ea typeface="Hiragino Kaku Gothic Pro W3" panose="020B0300000000000000" pitchFamily="34" charset="-128"/>
+                <a:cs typeface="Abadi MT Condensed Light" charset="0"/>
+              </a:rPr>
+              <a:t>29</a:t>
+            </a:r>
+            <a:r>
+              <a:rPr kumimoji="1" lang="ja-JP" altLang="en-US" sz="1600" b="0" i="0" dirty="0">
+                <a:latin typeface="Hiragino Kaku Gothic Pro W3" panose="020B0300000000000000" pitchFamily="34" charset="-128"/>
+                <a:ea typeface="Hiragino Kaku Gothic Pro W3" panose="020B0300000000000000" pitchFamily="34" charset="-128"/>
+                <a:cs typeface="Hiragino Sans W3" charset="-128"/>
+              </a:rPr>
+              <a:t>年度　卒業研究成果発表会</a:t>
+            </a:r>
+          </a:p>
+        </p:txBody>
+      </p:sp>
+      <p:sp>
+        <p:nvSpPr>
+          <p:cNvPr id="38" name="テキスト プレースホルダー 5">
+            <a:extLst>
+              <a:ext uri="{FF2B5EF4-FFF2-40B4-BE49-F238E27FC236}">
+                <a16:creationId xmlns:a16="http://schemas.microsoft.com/office/drawing/2014/main" id="{C57D290C-EE15-0B41-AB48-82CD7740902D}"/>
+              </a:ext>
+            </a:extLst>
+          </p:cNvPr>
+          <p:cNvSpPr>
+            <a:spLocks noGrp="1"/>
+          </p:cNvSpPr>
+          <p:nvPr>
+            <p:ph type="body" sz="quarter" idx="15" hasCustomPrompt="1"/>
+          </p:nvPr>
+        </p:nvSpPr>
+        <p:spPr>
+          <a:xfrm>
+            <a:off x="6292850" y="820787"/>
+            <a:ext cx="2736850" cy="288153"/>
+          </a:xfrm>
+        </p:spPr>
+        <p:txBody>
+          <a:bodyPr>
+            <a:normAutofit/>
+          </a:bodyPr>
+          <a:lstStyle>
+            <a:lvl1pPr marL="0" marR="0" indent="0" algn="r" defTabSz="914400" rtl="0" eaLnBrk="1" fontAlgn="auto" latinLnBrk="0" hangingPunct="1">
+              <a:lnSpc>
+                <a:spcPct val="90000"/>
+              </a:lnSpc>
+              <a:spcBef>
+                <a:spcPts val="1000"/>
+              </a:spcBef>
+              <a:spcAft>
+                <a:spcPts val="0"/>
+              </a:spcAft>
+              <a:buClrTx/>
+              <a:buSzTx/>
+              <a:buFont typeface="Arial" panose="020B0604020202020204" pitchFamily="34" charset="0"/>
+              <a:buNone/>
+              <a:tabLst/>
+              <a:defRPr sz="1600"/>
+            </a:lvl1pPr>
+          </a:lstStyle>
+          <a:p>
+            <a:pPr lvl="0"/>
+            <a:r>
+              <a:rPr kumimoji="1" lang="ja-JP" altLang="en-US" dirty="0"/>
+              <a:t>会場番号　分野</a:t>
+            </a:r>
           </a:p>
         </p:txBody>
       </p:sp>
@@ -4333,67 +4367,6 @@
           </a:p>
         </p:txBody>
       </p:sp>
-      <p:sp>
-        <p:nvSpPr>
-          <p:cNvPr id="17" name="Title Placeholder 1">
-            <a:extLst>
-              <a:ext uri="{FF2B5EF4-FFF2-40B4-BE49-F238E27FC236}">
-                <a16:creationId xmlns:a16="http://schemas.microsoft.com/office/drawing/2014/main" id="{A3933E6A-5736-424C-91B1-741D03364983}"/>
-              </a:ext>
-            </a:extLst>
-          </p:cNvPr>
-          <p:cNvSpPr txBox="1">
-            <a:spLocks/>
-          </p:cNvSpPr>
-          <p:nvPr userDrawn="1"/>
-        </p:nvSpPr>
-        <p:spPr>
-          <a:xfrm>
-            <a:off x="628650" y="267629"/>
-            <a:ext cx="7886700" cy="720200"/>
-          </a:xfrm>
-          <a:prstGeom prst="rect">
-            <a:avLst/>
-          </a:prstGeom>
-        </p:spPr>
-        <p:txBody>
-          <a:bodyPr vert="horz" lIns="91440" tIns="45720" rIns="91440" bIns="45720" rtlCol="0" anchor="ctr">
-            <a:normAutofit/>
-          </a:bodyPr>
-          <a:lstStyle>
-            <a:lvl1pPr algn="l" defTabSz="914400" rtl="0" eaLnBrk="1" latinLnBrk="0" hangingPunct="1">
-              <a:lnSpc>
-                <a:spcPct val="90000"/>
-              </a:lnSpc>
-              <a:spcBef>
-                <a:spcPct val="0"/>
-              </a:spcBef>
-              <a:buNone/>
-              <a:defRPr kumimoji="1" sz="4400" kern="1200">
-                <a:solidFill>
-                  <a:schemeClr val="tx1"/>
-                </a:solidFill>
-                <a:latin typeface="+mj-lt"/>
-                <a:ea typeface="+mj-ea"/>
-                <a:cs typeface="+mj-cs"/>
-              </a:defRPr>
-            </a:lvl1pPr>
-          </a:lstStyle>
-          <a:p>
-            <a:r>
-              <a:rPr lang="ja-JP" altLang="en-US" b="0" i="0" dirty="0">
-                <a:latin typeface="Hiragino Kaku Gothic Pro W3" panose="020B0300000000000000" pitchFamily="34" charset="-128"/>
-                <a:ea typeface="Hiragino Kaku Gothic Pro W3" panose="020B0300000000000000" pitchFamily="34" charset="-128"/>
-              </a:rPr>
-              <a:t>マスター タイトルの書式設定</a:t>
-            </a:r>
-            <a:endParaRPr lang="en-US" b="0" i="0" dirty="0">
-              <a:latin typeface="Hiragino Kaku Gothic Pro W3" panose="020B0300000000000000" pitchFamily="34" charset="-128"/>
-              <a:ea typeface="Hiragino Kaku Gothic Pro W3" panose="020B0300000000000000" pitchFamily="34" charset="-128"/>
-            </a:endParaRPr>
-          </a:p>
-        </p:txBody>
-      </p:sp>
       <p:cxnSp>
         <p:nvCxnSpPr>
           <p:cNvPr id="19" name="直線コネクタ 18">
@@ -4439,6 +4412,40 @@
           </a:fontRef>
         </p:style>
       </p:cxnSp>
+      <p:sp>
+        <p:nvSpPr>
+          <p:cNvPr id="18" name="Title 1">
+            <a:extLst>
+              <a:ext uri="{FF2B5EF4-FFF2-40B4-BE49-F238E27FC236}">
+                <a16:creationId xmlns:a16="http://schemas.microsoft.com/office/drawing/2014/main" id="{54FE65B3-F5B9-CC45-A43A-5E71BE72AD16}"/>
+              </a:ext>
+            </a:extLst>
+          </p:cNvPr>
+          <p:cNvSpPr>
+            <a:spLocks noGrp="1"/>
+          </p:cNvSpPr>
+          <p:nvPr>
+            <p:ph type="title"/>
+          </p:nvPr>
+        </p:nvSpPr>
+        <p:spPr>
+          <a:xfrm>
+            <a:off x="628650" y="301083"/>
+            <a:ext cx="7886700" cy="692068"/>
+          </a:xfrm>
+        </p:spPr>
+        <p:txBody>
+          <a:bodyPr/>
+          <a:lstStyle/>
+          <a:p>
+            <a:r>
+              <a:rPr lang="ja-JP" altLang="en-US"/>
+              <a:t>マスター タイトルの書式設定</a:t>
+            </a:r>
+            <a:endParaRPr lang="en-US" dirty="0"/>
+          </a:p>
+        </p:txBody>
+      </p:sp>
     </p:spTree>
     <p:extLst>
       <p:ext uri="{BB962C8B-B14F-4D97-AF65-F5344CB8AC3E}">
@@ -6897,31 +6904,6 @@
           <a:chExt cx="0" cy="0"/>
         </a:xfrm>
       </p:grpSpPr>
-      <p:sp>
-        <p:nvSpPr>
-          <p:cNvPr id="2" name="タイトル 1">
-            <a:extLst>
-              <a:ext uri="{FF2B5EF4-FFF2-40B4-BE49-F238E27FC236}">
-                <a16:creationId xmlns:a16="http://schemas.microsoft.com/office/drawing/2014/main" id="{C48445BE-53D8-1440-A5E5-2B5E48BE0C43}"/>
-              </a:ext>
-            </a:extLst>
-          </p:cNvPr>
-          <p:cNvSpPr>
-            <a:spLocks noGrp="1"/>
-          </p:cNvSpPr>
-          <p:nvPr>
-            <p:ph type="ctrTitle"/>
-          </p:nvPr>
-        </p:nvSpPr>
-        <p:spPr/>
-        <p:txBody>
-          <a:bodyPr/>
-          <a:lstStyle/>
-          <a:p>
-            <a:endParaRPr kumimoji="1" lang="ja-JP" altLang="en-US"/>
-          </a:p>
-        </p:txBody>
-      </p:sp>
       <p:sp>
         <p:nvSpPr>
           <p:cNvPr id="4" name="日付プレースホルダー 3">

--- a/スライドテンプレート_黒.pptx
+++ b/スライドテンプレート_黒.pptx
@@ -6921,10 +6921,6 @@
           </p:nvPr>
         </p:nvSpPr>
         <p:spPr>
-          <a:xfrm>
-            <a:off x="7069872" y="102251"/>
-            <a:ext cx="1959827" cy="369677"/>
-          </a:xfrm>
           <a:prstGeom prst="rect">
             <a:avLst/>
           </a:prstGeom>
@@ -6943,10 +6939,10 @@
       </p:sp>
       <p:sp>
         <p:nvSpPr>
-          <p:cNvPr id="5" name="Subtitle 2">
+          <p:cNvPr id="2" name="タイトル 1">
             <a:extLst>
               <a:ext uri="{FF2B5EF4-FFF2-40B4-BE49-F238E27FC236}">
-                <a16:creationId xmlns:a16="http://schemas.microsoft.com/office/drawing/2014/main" id="{E81D8F87-3279-174A-B4DC-F1635EE6065A}"/>
+                <a16:creationId xmlns:a16="http://schemas.microsoft.com/office/drawing/2014/main" id="{84812E75-F376-1D42-A6F1-E29D17263311}"/>
               </a:ext>
             </a:extLst>
           </p:cNvPr>
@@ -6954,7 +6950,109 @@
             <a:spLocks noGrp="1"/>
           </p:cNvSpPr>
           <p:nvPr>
-            <p:ph type="subTitle" idx="1" hasCustomPrompt="1"/>
+            <p:ph type="ctrTitle"/>
+          </p:nvPr>
+        </p:nvSpPr>
+        <p:spPr/>
+        <p:txBody>
+          <a:bodyPr/>
+          <a:lstStyle/>
+          <a:p>
+            <a:endParaRPr kumimoji="1" lang="ja-JP" altLang="en-US"/>
+          </a:p>
+        </p:txBody>
+      </p:sp>
+      <p:sp>
+        <p:nvSpPr>
+          <p:cNvPr id="3" name="テキスト プレースホルダー 2">
+            <a:extLst>
+              <a:ext uri="{FF2B5EF4-FFF2-40B4-BE49-F238E27FC236}">
+                <a16:creationId xmlns:a16="http://schemas.microsoft.com/office/drawing/2014/main" id="{D4D21870-4A01-E845-9602-AB27CCCE70E0}"/>
+              </a:ext>
+            </a:extLst>
+          </p:cNvPr>
+          <p:cNvSpPr>
+            <a:spLocks noGrp="1"/>
+          </p:cNvSpPr>
+          <p:nvPr>
+            <p:ph type="body" sz="quarter" idx="13"/>
+          </p:nvPr>
+        </p:nvSpPr>
+        <p:spPr/>
+        <p:txBody>
+          <a:bodyPr/>
+          <a:lstStyle/>
+          <a:p>
+            <a:endParaRPr kumimoji="1" lang="ja-JP" altLang="en-US"/>
+          </a:p>
+        </p:txBody>
+      </p:sp>
+      <p:sp>
+        <p:nvSpPr>
+          <p:cNvPr id="6" name="テキスト プレースホルダー 5">
+            <a:extLst>
+              <a:ext uri="{FF2B5EF4-FFF2-40B4-BE49-F238E27FC236}">
+                <a16:creationId xmlns:a16="http://schemas.microsoft.com/office/drawing/2014/main" id="{2D4AA050-7B02-8748-B75C-84FA9A489D20}"/>
+              </a:ext>
+            </a:extLst>
+          </p:cNvPr>
+          <p:cNvSpPr>
+            <a:spLocks noGrp="1"/>
+          </p:cNvSpPr>
+          <p:nvPr>
+            <p:ph type="body" sz="quarter" idx="14"/>
+          </p:nvPr>
+        </p:nvSpPr>
+        <p:spPr/>
+        <p:txBody>
+          <a:bodyPr/>
+          <a:lstStyle/>
+          <a:p>
+            <a:endParaRPr kumimoji="1" lang="ja-JP" altLang="en-US"/>
+          </a:p>
+        </p:txBody>
+      </p:sp>
+      <p:sp>
+        <p:nvSpPr>
+          <p:cNvPr id="7" name="テキスト プレースホルダー 6">
+            <a:extLst>
+              <a:ext uri="{FF2B5EF4-FFF2-40B4-BE49-F238E27FC236}">
+                <a16:creationId xmlns:a16="http://schemas.microsoft.com/office/drawing/2014/main" id="{19950EED-2E1E-164E-B411-4DC91BBB2FD4}"/>
+              </a:ext>
+            </a:extLst>
+          </p:cNvPr>
+          <p:cNvSpPr>
+            <a:spLocks noGrp="1"/>
+          </p:cNvSpPr>
+          <p:nvPr>
+            <p:ph type="body" sz="quarter" idx="15"/>
+          </p:nvPr>
+        </p:nvSpPr>
+        <p:spPr/>
+        <p:txBody>
+          <a:bodyPr>
+            <a:normAutofit lnSpcReduction="10000"/>
+          </a:bodyPr>
+          <a:lstStyle/>
+          <a:p>
+            <a:endParaRPr kumimoji="1" lang="ja-JP" altLang="en-US"/>
+          </a:p>
+        </p:txBody>
+      </p:sp>
+      <p:sp>
+        <p:nvSpPr>
+          <p:cNvPr id="12" name="サブタイトル 1">
+            <a:extLst>
+              <a:ext uri="{FF2B5EF4-FFF2-40B4-BE49-F238E27FC236}">
+                <a16:creationId xmlns:a16="http://schemas.microsoft.com/office/drawing/2014/main" id="{CD4F788A-D8EE-1944-AFCB-821027503EC4}"/>
+              </a:ext>
+            </a:extLst>
+          </p:cNvPr>
+          <p:cNvSpPr>
+            <a:spLocks noGrp="1"/>
+          </p:cNvSpPr>
+          <p:nvPr>
+            <p:ph type="subTitle" idx="1"/>
           </p:nvPr>
         </p:nvSpPr>
         <p:spPr>
@@ -6965,102 +7063,51 @@
         </p:spPr>
         <p:txBody>
           <a:bodyPr/>
-          <a:lstStyle>
-            <a:lvl1pPr marL="0" marR="0" indent="0" algn="ctr" defTabSz="914400" rtl="0" eaLnBrk="1" fontAlgn="auto" latinLnBrk="0" hangingPunct="1">
-              <a:lnSpc>
-                <a:spcPct val="90000"/>
-              </a:lnSpc>
-              <a:spcBef>
-                <a:spcPts val="1000"/>
-              </a:spcBef>
-              <a:spcAft>
-                <a:spcPts val="0"/>
-              </a:spcAft>
-              <a:buClrTx/>
-              <a:buSzTx/>
-              <a:buFont typeface="Arial" panose="020B0604020202020204" pitchFamily="34" charset="0"/>
-              <a:buNone/>
-              <a:tabLst/>
-              <a:defRPr sz="2400"/>
-            </a:lvl1pPr>
-            <a:lvl2pPr marL="457200" indent="0" algn="ctr">
-              <a:buNone/>
-              <a:defRPr sz="2000"/>
-            </a:lvl2pPr>
-            <a:lvl3pPr marL="914400" indent="0" algn="ctr">
-              <a:buNone/>
-              <a:defRPr sz="1800"/>
-            </a:lvl3pPr>
-            <a:lvl4pPr marL="1371600" indent="0" algn="ctr">
-              <a:buNone/>
-              <a:defRPr sz="1600"/>
-            </a:lvl4pPr>
-            <a:lvl5pPr marL="1828800" indent="0" algn="ctr">
-              <a:buNone/>
-              <a:defRPr sz="1600"/>
-            </a:lvl5pPr>
-            <a:lvl6pPr marL="2286000" indent="0" algn="ctr">
-              <a:buNone/>
-              <a:defRPr sz="1600"/>
-            </a:lvl6pPr>
-            <a:lvl7pPr marL="2743200" indent="0" algn="ctr">
-              <a:buNone/>
-              <a:defRPr sz="1600"/>
-            </a:lvl7pPr>
-            <a:lvl8pPr marL="3200400" indent="0" algn="ctr">
-              <a:buNone/>
-              <a:defRPr sz="1600"/>
-            </a:lvl8pPr>
-            <a:lvl9pPr marL="3657600" indent="0" algn="ctr">
-              <a:buNone/>
-              <a:defRPr sz="1600"/>
-            </a:lvl9pPr>
-          </a:lstStyle>
-          <a:p>
-            <a:r>
-              <a:rPr lang="ja-JP" altLang="en-US" sz="2400" dirty="0"/>
-              <a:t>ヒューマンインタフェース学講座</a:t>
-            </a:r>
-            <a:endParaRPr lang="en-US" altLang="ja-JP" sz="2400" dirty="0"/>
+          <a:lstStyle/>
+          <a:p>
+            <a:r>
+              <a:rPr kumimoji="1" lang="ja-JP" altLang="en-US" dirty="0"/>
+              <a:t>ヒューマンインターフェース学講座</a:t>
+            </a:r>
+            <a:endParaRPr kumimoji="1" lang="en-US" altLang="ja-JP" dirty="0"/>
           </a:p>
           <a:p>
             <a:r>
               <a:rPr lang="ja-JP" altLang="en-US" dirty="0"/>
-              <a:t>学籍番号，名前</a:t>
+              <a:t>学籍番号</a:t>
+            </a:r>
+            <a:r>
+              <a:rPr lang="en-US" altLang="ja-JP" dirty="0"/>
+              <a:t> </a:t>
+            </a:r>
+            <a:r>
+              <a:rPr lang="ja-JP" altLang="en-US" dirty="0"/>
+              <a:t>名前</a:t>
             </a:r>
             <a:endParaRPr lang="en-US" altLang="ja-JP" dirty="0"/>
           </a:p>
           <a:p>
-            <a:pPr marL="0" marR="0" lvl="0" indent="0" algn="ctr" defTabSz="914400" rtl="0" eaLnBrk="1" fontAlgn="auto" latinLnBrk="0" hangingPunct="1">
-              <a:lnSpc>
-                <a:spcPct val="90000"/>
-              </a:lnSpc>
-              <a:spcBef>
-                <a:spcPts val="1000"/>
-              </a:spcBef>
-              <a:spcAft>
-                <a:spcPts val="0"/>
-              </a:spcAft>
-              <a:buClrTx/>
-              <a:buSzTx/>
-              <a:buFont typeface="Arial" panose="020B0604020202020204" pitchFamily="34" charset="0"/>
-              <a:buNone/>
-              <a:tabLst/>
-              <a:defRPr/>
-            </a:pPr>
-            <a:r>
-              <a:rPr lang="ja-JP" altLang="en-US" sz="2400" dirty="0"/>
+            <a:r>
+              <a:rPr lang="ja-JP" altLang="en-US" dirty="0"/>
               <a:t>卒業論文要旨集　</a:t>
             </a:r>
             <a:r>
-              <a:rPr lang="en-US" altLang="ja-JP" sz="2400" dirty="0"/>
+              <a:rPr lang="en-US" altLang="ja-JP" dirty="0"/>
               <a:t>p</a:t>
             </a:r>
             <a:r>
-              <a:rPr lang="ja-JP" altLang="en-US" sz="2400" dirty="0"/>
-              <a:t>ページ数</a:t>
-            </a:r>
-            <a:endParaRPr lang="en-US" altLang="ja-JP" sz="2400" dirty="0"/>
+              <a:rPr lang="ja-JP" altLang="en-US" dirty="0"/>
+              <a:t>〇〇</a:t>
+            </a:r>
+            <a:r>
+              <a:rPr lang="en-US" altLang="ja-JP" dirty="0"/>
+              <a:t>-</a:t>
+            </a:r>
+            <a:r>
+              <a:rPr lang="ja-JP" altLang="en-US" dirty="0"/>
+              <a:t>〇〇</a:t>
+            </a:r>
+            <a:endParaRPr kumimoji="1" lang="ja-JP" altLang="en-US" dirty="0"/>
           </a:p>
         </p:txBody>
       </p:sp>

--- a/スライドテンプレート_黒.pptx
+++ b/スライドテンプレート_黒.pptx
@@ -197,7 +197,7 @@
           <a:p>
             <a:fld id="{BD670E5B-B501-504C-A591-4FC342912779}" type="datetimeFigureOut">
               <a:rPr kumimoji="1" lang="ja-JP" altLang="en-US" smtClean="0"/>
-              <a:t>2018/1/12</a:t>
+              <a:t>2018/1/15</a:t>
             </a:fld>
             <a:endParaRPr kumimoji="1" lang="ja-JP" altLang="en-US"/>
           </a:p>
@@ -546,7 +546,7 @@
             <a:fld id="{0C67E52D-ACBA-C547-A0E5-66A8993C66CB}" type="datetime3">
               <a:rPr lang="ja-JP" altLang="en-US" smtClean="0"/>
               <a:pPr/>
-              <a:t>平成30年1月12日</a:t>
+              <a:t>平成30年1月15日</a:t>
             </a:fld>
             <a:endParaRPr lang="ja-JP" altLang="en-US" dirty="0"/>
           </a:p>
@@ -6561,7 +6561,7 @@
         <p:txBody>
           <a:bodyPr/>
           <a:lstStyle>
-            <a:lvl1pPr>
+            <a:lvl1pPr algn="r">
               <a:defRPr>
                 <a:ln>
                   <a:noFill/>
@@ -6614,7 +6614,7 @@
           <a:spcPct val="0"/>
         </a:spcBef>
         <a:buNone/>
-        <a:defRPr kumimoji="1" sz="4400" b="0" i="0" kern="1200">
+        <a:defRPr kumimoji="1" sz="3600" b="0" i="0" kern="1200">
           <a:solidFill>
             <a:schemeClr val="tx1"/>
           </a:solidFill>
@@ -6634,7 +6634,7 @@
         </a:spcBef>
         <a:buFont typeface="Arial" panose="020B0604020202020204" pitchFamily="34" charset="0"/>
         <a:buChar char="•"/>
-        <a:defRPr kumimoji="1" sz="2800" b="0" i="0" kern="1200">
+        <a:defRPr kumimoji="1" sz="2400" b="0" i="0" kern="1200">
           <a:solidFill>
             <a:schemeClr val="tx1"/>
           </a:solidFill>
@@ -6670,7 +6670,7 @@
         </a:spcBef>
         <a:buFont typeface="Arial" panose="020B0604020202020204" pitchFamily="34" charset="0"/>
         <a:buChar char="•"/>
-        <a:defRPr kumimoji="1" sz="2000" b="0" i="0" kern="1200">
+        <a:defRPr kumimoji="1" sz="2400" b="0" i="0" kern="1200">
           <a:solidFill>
             <a:schemeClr val="tx1"/>
           </a:solidFill>
@@ -6688,7 +6688,7 @@
         </a:spcBef>
         <a:buFont typeface="Arial" panose="020B0604020202020204" pitchFamily="34" charset="0"/>
         <a:buChar char="•"/>
-        <a:defRPr kumimoji="1" sz="1800" b="0" i="0" kern="1200">
+        <a:defRPr kumimoji="1" sz="2400" b="0" i="0" kern="1200">
           <a:solidFill>
             <a:schemeClr val="tx1"/>
           </a:solidFill>
@@ -6706,7 +6706,7 @@
         </a:spcBef>
         <a:buFont typeface="Arial" panose="020B0604020202020204" pitchFamily="34" charset="0"/>
         <a:buChar char="•"/>
-        <a:defRPr kumimoji="1" sz="1800" b="0" i="0" kern="1200">
+        <a:defRPr kumimoji="1" sz="2400" b="0" i="0" kern="1200">
           <a:solidFill>
             <a:schemeClr val="tx1"/>
           </a:solidFill>
@@ -6931,7 +6931,7 @@
           <a:p>
             <a:fld id="{32E7C993-4706-194F-A251-111C8C57CB30}" type="datetime3">
               <a:rPr kumimoji="1" lang="ja-JP" altLang="en-US" smtClean="0"/>
-              <a:t>平成30年1月12日</a:t>
+              <a:t>平成30年1月15日</a:t>
             </a:fld>
             <a:endParaRPr kumimoji="1" lang="ja-JP" altLang="en-US" dirty="0"/>
           </a:p>
